--- a/Presentation.pptx
+++ b/Presentation.pptx
@@ -9,6 +9,8 @@
     <p:sldId id="257" r:id="rId3"/>
     <p:sldId id="258" r:id="rId4"/>
     <p:sldId id="259" r:id="rId5"/>
+    <p:sldId id="261" r:id="rId6"/>
+    <p:sldId id="260" r:id="rId7"/>
   </p:sldIdLst>
   <p:sldSz cx="12192000" cy="6858000"/>
   <p:notesSz cx="6858000" cy="9144000"/>
@@ -107,6 +109,11 @@
       </a:defRPr>
     </a:lvl9pPr>
   </p:defaultTextStyle>
+  <p:extLst>
+    <p:ext uri="{EFAFB233-063F-42B5-8137-9DF3F51BA10A}">
+      <p15:sldGuideLst xmlns:p15="http://schemas.microsoft.com/office/powerpoint/2012/main"/>
+    </p:ext>
+  </p:extLst>
 </p:presentation>
 </file>
 
@@ -191,7 +198,7 @@
           </a:lstStyle>
           <a:p>
             <a:r>
-              <a:rPr lang="en-US" smtClean="0"/>
+              <a:rPr lang="en-US"/>
               <a:t>Click to edit Master title style</a:t>
             </a:r>
             <a:endParaRPr lang="en-US" dirty="0"/>
@@ -310,7 +317,7 @@
           </a:lstStyle>
           <a:p>
             <a:r>
-              <a:rPr lang="en-US" smtClean="0"/>
+              <a:rPr lang="en-US"/>
               <a:t>Click to edit Master subtitle style</a:t>
             </a:r>
             <a:endParaRPr lang="en-US" dirty="0"/>
@@ -340,7 +347,7 @@
             <a:fld id="{B61BEF0D-F0BB-DE4B-95CE-6DB70DBA9567}" type="datetimeFigureOut">
               <a:rPr lang="en-US" dirty="0"/>
               <a:pPr/>
-              <a:t>2/29/20</a:t>
+              <a:t>3/5/2020</a:t>
             </a:fld>
             <a:endParaRPr lang="en-US" dirty="0"/>
           </a:p>
@@ -481,7 +488,7 @@
           </a:lstStyle>
           <a:p>
             <a:r>
-              <a:rPr lang="en-US" smtClean="0"/>
+              <a:rPr lang="en-US"/>
               <a:t>Click to edit Master title style</a:t>
             </a:r>
             <a:endParaRPr lang="en-US" dirty="0"/>
@@ -579,7 +586,7 @@
           </a:lstStyle>
           <a:p>
             <a:r>
-              <a:rPr lang="en-US" smtClean="0"/>
+              <a:rPr lang="en-US"/>
               <a:t>Drag picture to placeholder or click icon to add</a:t>
             </a:r>
             <a:endParaRPr lang="en-US" dirty="0"/>
@@ -647,7 +654,7 @@
           <a:p>
             <a:pPr lvl="0"/>
             <a:r>
-              <a:rPr lang="en-US" smtClean="0"/>
+              <a:rPr lang="en-US"/>
               <a:t>Click to edit Master text styles</a:t>
             </a:r>
           </a:p>
@@ -671,7 +678,7 @@
             <a:fld id="{B61BEF0D-F0BB-DE4B-95CE-6DB70DBA9567}" type="datetimeFigureOut">
               <a:rPr lang="en-US" dirty="0"/>
               <a:pPr/>
-              <a:t>2/29/20</a:t>
+              <a:t>3/5/2020</a:t>
             </a:fld>
             <a:endParaRPr lang="en-US" dirty="0"/>
           </a:p>
@@ -802,7 +809,7 @@
           </a:lstStyle>
           <a:p>
             <a:r>
-              <a:rPr lang="en-US" smtClean="0"/>
+              <a:rPr lang="en-US"/>
               <a:t>Click to edit Master title style</a:t>
             </a:r>
             <a:endParaRPr lang="en-US" dirty="0"/>
@@ -922,7 +929,7 @@
           <a:p>
             <a:pPr lvl="0"/>
             <a:r>
-              <a:rPr lang="en-US" smtClean="0"/>
+              <a:rPr lang="en-US"/>
               <a:t>Click to edit Master text styles</a:t>
             </a:r>
           </a:p>
@@ -946,7 +953,7 @@
             <a:fld id="{B61BEF0D-F0BB-DE4B-95CE-6DB70DBA9567}" type="datetimeFigureOut">
               <a:rPr lang="en-US" dirty="0"/>
               <a:pPr/>
-              <a:t>2/29/20</a:t>
+              <a:t>3/5/2020</a:t>
             </a:fld>
             <a:endParaRPr lang="en-US" dirty="0"/>
           </a:p>
@@ -1313,7 +1320,7 @@
           </a:lstStyle>
           <a:p>
             <a:r>
-              <a:rPr lang="en-US" smtClean="0"/>
+              <a:rPr lang="en-US"/>
               <a:t>Click to edit Master title style</a:t>
             </a:r>
             <a:endParaRPr lang="en-US" dirty="0"/>
@@ -1368,7 +1375,7 @@
           <a:p>
             <a:pPr lvl="0"/>
             <a:r>
-              <a:rPr lang="en-US" smtClean="0"/>
+              <a:rPr lang="en-US"/>
               <a:t>Click to edit Master text styles</a:t>
             </a:r>
           </a:p>
@@ -1487,7 +1494,7 @@
           <a:p>
             <a:pPr lvl="0"/>
             <a:r>
-              <a:rPr lang="en-US" smtClean="0"/>
+              <a:rPr lang="en-US"/>
               <a:t>Click to edit Master text styles</a:t>
             </a:r>
           </a:p>
@@ -1511,7 +1518,7 @@
             <a:fld id="{B61BEF0D-F0BB-DE4B-95CE-6DB70DBA9567}" type="datetimeFigureOut">
               <a:rPr lang="en-US" dirty="0"/>
               <a:pPr/>
-              <a:t>2/29/20</a:t>
+              <a:t>3/5/2020</a:t>
             </a:fld>
             <a:endParaRPr lang="en-US" dirty="0"/>
           </a:p>
@@ -1642,7 +1649,7 @@
           </a:lstStyle>
           <a:p>
             <a:r>
-              <a:rPr lang="en-US" smtClean="0"/>
+              <a:rPr lang="en-US"/>
               <a:t>Click to edit Master title style</a:t>
             </a:r>
             <a:endParaRPr lang="en-US" dirty="0"/>
@@ -1762,7 +1769,7 @@
           <a:p>
             <a:pPr lvl="0"/>
             <a:r>
-              <a:rPr lang="en-US" smtClean="0"/>
+              <a:rPr lang="en-US"/>
               <a:t>Click to edit Master text styles</a:t>
             </a:r>
           </a:p>
@@ -1786,7 +1793,7 @@
             <a:fld id="{B61BEF0D-F0BB-DE4B-95CE-6DB70DBA9567}" type="datetimeFigureOut">
               <a:rPr lang="en-US" dirty="0"/>
               <a:pPr/>
-              <a:t>2/29/20</a:t>
+              <a:t>3/5/2020</a:t>
             </a:fld>
             <a:endParaRPr lang="en-US" dirty="0"/>
           </a:p>
@@ -2153,7 +2160,7 @@
           </a:lstStyle>
           <a:p>
             <a:r>
-              <a:rPr lang="en-US" smtClean="0"/>
+              <a:rPr lang="en-US"/>
               <a:t>Click to edit Master title style</a:t>
             </a:r>
             <a:endParaRPr lang="en-US" dirty="0"/>
@@ -2202,7 +2209,7 @@
               <a:buNone/>
             </a:pPr>
             <a:r>
-              <a:rPr lang="en-US" smtClean="0"/>
+              <a:rPr lang="en-US"/>
               <a:t>Click to edit Master text styles</a:t>
             </a:r>
           </a:p>
@@ -2321,7 +2328,7 @@
           <a:p>
             <a:pPr lvl="0"/>
             <a:r>
-              <a:rPr lang="en-US" smtClean="0"/>
+              <a:rPr lang="en-US"/>
               <a:t>Click to edit Master text styles</a:t>
             </a:r>
           </a:p>
@@ -2345,7 +2352,7 @@
             <a:fld id="{B61BEF0D-F0BB-DE4B-95CE-6DB70DBA9567}" type="datetimeFigureOut">
               <a:rPr lang="en-US" dirty="0"/>
               <a:pPr/>
-              <a:t>2/29/20</a:t>
+              <a:t>3/5/2020</a:t>
             </a:fld>
             <a:endParaRPr lang="en-US" dirty="0"/>
           </a:p>
@@ -2477,7 +2484,7 @@
           <a:p>
             <a:pPr marL="0" lvl="0"/>
             <a:r>
-              <a:rPr lang="en-US" smtClean="0"/>
+              <a:rPr lang="en-US"/>
               <a:t>Click to edit Master title style</a:t>
             </a:r>
             <a:endParaRPr lang="en-US" dirty="0"/>
@@ -2526,7 +2533,7 @@
               <a:buNone/>
             </a:pPr>
             <a:r>
-              <a:rPr lang="en-US" smtClean="0"/>
+              <a:rPr lang="en-US"/>
               <a:t>Click to edit Master text styles</a:t>
             </a:r>
           </a:p>
@@ -2645,7 +2652,7 @@
           <a:p>
             <a:pPr lvl="0"/>
             <a:r>
-              <a:rPr lang="en-US" smtClean="0"/>
+              <a:rPr lang="en-US"/>
               <a:t>Click to edit Master text styles</a:t>
             </a:r>
           </a:p>
@@ -2669,7 +2676,7 @@
             <a:fld id="{B61BEF0D-F0BB-DE4B-95CE-6DB70DBA9567}" type="datetimeFigureOut">
               <a:rPr lang="en-US" dirty="0"/>
               <a:pPr/>
-              <a:t>2/29/20</a:t>
+              <a:t>3/5/2020</a:t>
             </a:fld>
             <a:endParaRPr lang="en-US" dirty="0"/>
           </a:p>
@@ -2790,35 +2797,35 @@
           <a:p>
             <a:pPr lvl="0"/>
             <a:r>
-              <a:rPr lang="en-US" smtClean="0"/>
+              <a:rPr lang="en-US"/>
               <a:t>Click to edit Master text styles</a:t>
             </a:r>
           </a:p>
           <a:p>
             <a:pPr lvl="1"/>
             <a:r>
-              <a:rPr lang="en-US" smtClean="0"/>
+              <a:rPr lang="en-US"/>
               <a:t>Second level</a:t>
             </a:r>
           </a:p>
           <a:p>
             <a:pPr lvl="2"/>
             <a:r>
-              <a:rPr lang="en-US" smtClean="0"/>
+              <a:rPr lang="en-US"/>
               <a:t>Third level</a:t>
             </a:r>
           </a:p>
           <a:p>
             <a:pPr lvl="3"/>
             <a:r>
-              <a:rPr lang="en-US" smtClean="0"/>
+              <a:rPr lang="en-US"/>
               <a:t>Fourth level</a:t>
             </a:r>
           </a:p>
           <a:p>
             <a:pPr lvl="4"/>
             <a:r>
-              <a:rPr lang="en-US" smtClean="0"/>
+              <a:rPr lang="en-US"/>
               <a:t>Fifth level</a:t>
             </a:r>
             <a:endParaRPr lang="en-US" dirty="0"/>
@@ -2843,7 +2850,7 @@
             <a:fld id="{B61BEF0D-F0BB-DE4B-95CE-6DB70DBA9567}" type="datetimeFigureOut">
               <a:rPr lang="en-US" dirty="0"/>
               <a:pPr/>
-              <a:t>2/29/20</a:t>
+              <a:t>3/5/2020</a:t>
             </a:fld>
             <a:endParaRPr lang="en-US" dirty="0"/>
           </a:p>
@@ -2913,7 +2920,7 @@
           <a:lstStyle/>
           <a:p>
             <a:r>
-              <a:rPr lang="en-US" smtClean="0"/>
+              <a:rPr lang="en-US"/>
               <a:t>Click to edit Master title style</a:t>
             </a:r>
             <a:endParaRPr lang="en-US" dirty="0"/>
@@ -2996,7 +3003,7 @@
           <a:lstStyle/>
           <a:p>
             <a:r>
-              <a:rPr lang="en-US" smtClean="0"/>
+              <a:rPr lang="en-US"/>
               <a:t>Click to edit Master title style</a:t>
             </a:r>
             <a:endParaRPr lang="en-US" dirty="0"/>
@@ -3025,35 +3032,35 @@
           <a:p>
             <a:pPr lvl="0"/>
             <a:r>
-              <a:rPr lang="en-US" smtClean="0"/>
+              <a:rPr lang="en-US"/>
               <a:t>Click to edit Master text styles</a:t>
             </a:r>
           </a:p>
           <a:p>
             <a:pPr lvl="1"/>
             <a:r>
-              <a:rPr lang="en-US" smtClean="0"/>
+              <a:rPr lang="en-US"/>
               <a:t>Second level</a:t>
             </a:r>
           </a:p>
           <a:p>
             <a:pPr lvl="2"/>
             <a:r>
-              <a:rPr lang="en-US" smtClean="0"/>
+              <a:rPr lang="en-US"/>
               <a:t>Third level</a:t>
             </a:r>
           </a:p>
           <a:p>
             <a:pPr lvl="3"/>
             <a:r>
-              <a:rPr lang="en-US" smtClean="0"/>
+              <a:rPr lang="en-US"/>
               <a:t>Fourth level</a:t>
             </a:r>
           </a:p>
           <a:p>
             <a:pPr lvl="4"/>
             <a:r>
-              <a:rPr lang="en-US" smtClean="0"/>
+              <a:rPr lang="en-US"/>
               <a:t>Fifth level</a:t>
             </a:r>
             <a:endParaRPr lang="en-US" dirty="0"/>
@@ -3078,7 +3085,7 @@
             <a:fld id="{B61BEF0D-F0BB-DE4B-95CE-6DB70DBA9567}" type="datetimeFigureOut">
               <a:rPr lang="en-US" dirty="0"/>
               <a:pPr/>
-              <a:t>2/29/20</a:t>
+              <a:t>3/5/2020</a:t>
             </a:fld>
             <a:endParaRPr lang="en-US" dirty="0"/>
           </a:p>
@@ -3198,7 +3205,7 @@
           <a:lstStyle/>
           <a:p>
             <a:r>
-              <a:rPr lang="en-US" smtClean="0"/>
+              <a:rPr lang="en-US"/>
               <a:t>Click to edit Master title style</a:t>
             </a:r>
             <a:endParaRPr lang="en-US" dirty="0"/>
@@ -3222,35 +3229,35 @@
           <a:p>
             <a:pPr lvl="0"/>
             <a:r>
-              <a:rPr lang="en-US" smtClean="0"/>
+              <a:rPr lang="en-US"/>
               <a:t>Click to edit Master text styles</a:t>
             </a:r>
           </a:p>
           <a:p>
             <a:pPr lvl="1"/>
             <a:r>
-              <a:rPr lang="en-US" smtClean="0"/>
+              <a:rPr lang="en-US"/>
               <a:t>Second level</a:t>
             </a:r>
           </a:p>
           <a:p>
             <a:pPr lvl="2"/>
             <a:r>
-              <a:rPr lang="en-US" smtClean="0"/>
+              <a:rPr lang="en-US"/>
               <a:t>Third level</a:t>
             </a:r>
           </a:p>
           <a:p>
             <a:pPr lvl="3"/>
             <a:r>
-              <a:rPr lang="en-US" smtClean="0"/>
+              <a:rPr lang="en-US"/>
               <a:t>Fourth level</a:t>
             </a:r>
           </a:p>
           <a:p>
             <a:pPr lvl="4"/>
             <a:r>
-              <a:rPr lang="en-US" smtClean="0"/>
+              <a:rPr lang="en-US"/>
               <a:t>Fifth level</a:t>
             </a:r>
             <a:endParaRPr lang="en-US" dirty="0"/>
@@ -3275,7 +3282,7 @@
             <a:fld id="{B61BEF0D-F0BB-DE4B-95CE-6DB70DBA9567}" type="datetimeFigureOut">
               <a:rPr lang="en-US" dirty="0"/>
               <a:pPr/>
-              <a:t>2/29/20</a:t>
+              <a:t>3/5/2020</a:t>
             </a:fld>
             <a:endParaRPr lang="en-US" dirty="0"/>
           </a:p>
@@ -3404,7 +3411,7 @@
           </a:lstStyle>
           <a:p>
             <a:r>
-              <a:rPr lang="en-US" smtClean="0"/>
+              <a:rPr lang="en-US"/>
               <a:t>Click to edit Master title style</a:t>
             </a:r>
             <a:endParaRPr lang="en-US" dirty="0"/>
@@ -3524,7 +3531,7 @@
           <a:p>
             <a:pPr lvl="0"/>
             <a:r>
-              <a:rPr lang="en-US" smtClean="0"/>
+              <a:rPr lang="en-US"/>
               <a:t>Click to edit Master text styles</a:t>
             </a:r>
           </a:p>
@@ -3548,7 +3555,7 @@
             <a:fld id="{B61BEF0D-F0BB-DE4B-95CE-6DB70DBA9567}" type="datetimeFigureOut">
               <a:rPr lang="en-US" dirty="0"/>
               <a:pPr/>
-              <a:t>2/29/20</a:t>
+              <a:t>3/5/2020</a:t>
             </a:fld>
             <a:endParaRPr lang="en-US" dirty="0"/>
           </a:p>
@@ -3668,7 +3675,7 @@
           <a:lstStyle/>
           <a:p>
             <a:r>
-              <a:rPr lang="en-US" smtClean="0"/>
+              <a:rPr lang="en-US"/>
               <a:t>Click to edit Master title style</a:t>
             </a:r>
             <a:endParaRPr lang="en-US" dirty="0"/>
@@ -3699,35 +3706,35 @@
           <a:p>
             <a:pPr lvl="0"/>
             <a:r>
-              <a:rPr lang="en-US" smtClean="0"/>
+              <a:rPr lang="en-US"/>
               <a:t>Click to edit Master text styles</a:t>
             </a:r>
           </a:p>
           <a:p>
             <a:pPr lvl="1"/>
             <a:r>
-              <a:rPr lang="en-US" smtClean="0"/>
+              <a:rPr lang="en-US"/>
               <a:t>Second level</a:t>
             </a:r>
           </a:p>
           <a:p>
             <a:pPr lvl="2"/>
             <a:r>
-              <a:rPr lang="en-US" smtClean="0"/>
+              <a:rPr lang="en-US"/>
               <a:t>Third level</a:t>
             </a:r>
           </a:p>
           <a:p>
             <a:pPr lvl="3"/>
             <a:r>
-              <a:rPr lang="en-US" smtClean="0"/>
+              <a:rPr lang="en-US"/>
               <a:t>Fourth level</a:t>
             </a:r>
           </a:p>
           <a:p>
             <a:pPr lvl="4"/>
             <a:r>
-              <a:rPr lang="en-US" smtClean="0"/>
+              <a:rPr lang="en-US"/>
               <a:t>Fifth level</a:t>
             </a:r>
             <a:endParaRPr lang="en-US" dirty="0"/>
@@ -3758,35 +3765,35 @@
           <a:p>
             <a:pPr lvl="0"/>
             <a:r>
-              <a:rPr lang="en-US" smtClean="0"/>
+              <a:rPr lang="en-US"/>
               <a:t>Click to edit Master text styles</a:t>
             </a:r>
           </a:p>
           <a:p>
             <a:pPr lvl="1"/>
             <a:r>
-              <a:rPr lang="en-US" smtClean="0"/>
+              <a:rPr lang="en-US"/>
               <a:t>Second level</a:t>
             </a:r>
           </a:p>
           <a:p>
             <a:pPr lvl="2"/>
             <a:r>
-              <a:rPr lang="en-US" smtClean="0"/>
+              <a:rPr lang="en-US"/>
               <a:t>Third level</a:t>
             </a:r>
           </a:p>
           <a:p>
             <a:pPr lvl="3"/>
             <a:r>
-              <a:rPr lang="en-US" smtClean="0"/>
+              <a:rPr lang="en-US"/>
               <a:t>Fourth level</a:t>
             </a:r>
           </a:p>
           <a:p>
             <a:pPr lvl="4"/>
             <a:r>
-              <a:rPr lang="en-US" smtClean="0"/>
+              <a:rPr lang="en-US"/>
               <a:t>Fifth level</a:t>
             </a:r>
             <a:endParaRPr lang="en-US" dirty="0"/>
@@ -3811,7 +3818,7 @@
             <a:fld id="{B61BEF0D-F0BB-DE4B-95CE-6DB70DBA9567}" type="datetimeFigureOut">
               <a:rPr lang="en-US" dirty="0"/>
               <a:pPr/>
-              <a:t>2/29/20</a:t>
+              <a:t>3/5/2020</a:t>
             </a:fld>
             <a:endParaRPr lang="en-US" dirty="0"/>
           </a:p>
@@ -3905,7 +3912,7 @@
           </a:lstStyle>
           <a:p>
             <a:r>
-              <a:rPr lang="en-US" smtClean="0"/>
+              <a:rPr lang="en-US"/>
               <a:t>Click to edit Master title style</a:t>
             </a:r>
             <a:endParaRPr lang="en-US" dirty="0"/>
@@ -3973,7 +3980,7 @@
           <a:p>
             <a:pPr lvl="0"/>
             <a:r>
-              <a:rPr lang="en-US" smtClean="0"/>
+              <a:rPr lang="en-US"/>
               <a:t>Click to edit Master text styles</a:t>
             </a:r>
           </a:p>
@@ -4003,35 +4010,35 @@
           <a:p>
             <a:pPr lvl="0"/>
             <a:r>
-              <a:rPr lang="en-US" smtClean="0"/>
+              <a:rPr lang="en-US"/>
               <a:t>Click to edit Master text styles</a:t>
             </a:r>
           </a:p>
           <a:p>
             <a:pPr lvl="1"/>
             <a:r>
-              <a:rPr lang="en-US" smtClean="0"/>
+              <a:rPr lang="en-US"/>
               <a:t>Second level</a:t>
             </a:r>
           </a:p>
           <a:p>
             <a:pPr lvl="2"/>
             <a:r>
-              <a:rPr lang="en-US" smtClean="0"/>
+              <a:rPr lang="en-US"/>
               <a:t>Third level</a:t>
             </a:r>
           </a:p>
           <a:p>
             <a:pPr lvl="3"/>
             <a:r>
-              <a:rPr lang="en-US" smtClean="0"/>
+              <a:rPr lang="en-US"/>
               <a:t>Fourth level</a:t>
             </a:r>
           </a:p>
           <a:p>
             <a:pPr lvl="4"/>
             <a:r>
-              <a:rPr lang="en-US" smtClean="0"/>
+              <a:rPr lang="en-US"/>
               <a:t>Fifth level</a:t>
             </a:r>
             <a:endParaRPr lang="en-US" dirty="0"/>
@@ -4099,7 +4106,7 @@
           <a:p>
             <a:pPr lvl="0"/>
             <a:r>
-              <a:rPr lang="en-US" smtClean="0"/>
+              <a:rPr lang="en-US"/>
               <a:t>Click to edit Master text styles</a:t>
             </a:r>
           </a:p>
@@ -4129,35 +4136,35 @@
           <a:p>
             <a:pPr lvl="0"/>
             <a:r>
-              <a:rPr lang="en-US" smtClean="0"/>
+              <a:rPr lang="en-US"/>
               <a:t>Click to edit Master text styles</a:t>
             </a:r>
           </a:p>
           <a:p>
             <a:pPr lvl="1"/>
             <a:r>
-              <a:rPr lang="en-US" smtClean="0"/>
+              <a:rPr lang="en-US"/>
               <a:t>Second level</a:t>
             </a:r>
           </a:p>
           <a:p>
             <a:pPr lvl="2"/>
             <a:r>
-              <a:rPr lang="en-US" smtClean="0"/>
+              <a:rPr lang="en-US"/>
               <a:t>Third level</a:t>
             </a:r>
           </a:p>
           <a:p>
             <a:pPr lvl="3"/>
             <a:r>
-              <a:rPr lang="en-US" smtClean="0"/>
+              <a:rPr lang="en-US"/>
               <a:t>Fourth level</a:t>
             </a:r>
           </a:p>
           <a:p>
             <a:pPr lvl="4"/>
             <a:r>
-              <a:rPr lang="en-US" smtClean="0"/>
+              <a:rPr lang="en-US"/>
               <a:t>Fifth level</a:t>
             </a:r>
             <a:endParaRPr lang="en-US" dirty="0"/>
@@ -4182,7 +4189,7 @@
             <a:fld id="{B61BEF0D-F0BB-DE4B-95CE-6DB70DBA9567}" type="datetimeFigureOut">
               <a:rPr lang="en-US" dirty="0"/>
               <a:pPr/>
-              <a:t>2/29/20</a:t>
+              <a:t>3/5/2020</a:t>
             </a:fld>
             <a:endParaRPr lang="en-US" dirty="0"/>
           </a:p>
@@ -4302,7 +4309,7 @@
           <a:lstStyle/>
           <a:p>
             <a:r>
-              <a:rPr lang="en-US" smtClean="0"/>
+              <a:rPr lang="en-US"/>
               <a:t>Click to edit Master title style</a:t>
             </a:r>
             <a:endParaRPr lang="en-US" dirty="0"/>
@@ -4327,7 +4334,7 @@
             <a:fld id="{B61BEF0D-F0BB-DE4B-95CE-6DB70DBA9567}" type="datetimeFigureOut">
               <a:rPr lang="en-US" dirty="0"/>
               <a:pPr/>
-              <a:t>2/29/20</a:t>
+              <a:t>3/5/2020</a:t>
             </a:fld>
             <a:endParaRPr lang="en-US" dirty="0"/>
           </a:p>
@@ -4449,7 +4456,7 @@
             <a:fld id="{B61BEF0D-F0BB-DE4B-95CE-6DB70DBA9567}" type="datetimeFigureOut">
               <a:rPr lang="en-US" dirty="0"/>
               <a:pPr/>
-              <a:t>2/29/20</a:t>
+              <a:t>3/5/2020</a:t>
             </a:fld>
             <a:endParaRPr lang="en-US" dirty="0"/>
           </a:p>
@@ -4580,7 +4587,7 @@
           </a:lstStyle>
           <a:p>
             <a:r>
-              <a:rPr lang="en-US" smtClean="0"/>
+              <a:rPr lang="en-US"/>
               <a:t>Click to edit Master title style</a:t>
             </a:r>
             <a:endParaRPr lang="en-US" dirty="0"/>
@@ -4611,35 +4618,35 @@
           <a:p>
             <a:pPr lvl="0"/>
             <a:r>
-              <a:rPr lang="en-US" smtClean="0"/>
+              <a:rPr lang="en-US"/>
               <a:t>Click to edit Master text styles</a:t>
             </a:r>
           </a:p>
           <a:p>
             <a:pPr lvl="1"/>
             <a:r>
-              <a:rPr lang="en-US" smtClean="0"/>
+              <a:rPr lang="en-US"/>
               <a:t>Second level</a:t>
             </a:r>
           </a:p>
           <a:p>
             <a:pPr lvl="2"/>
             <a:r>
-              <a:rPr lang="en-US" smtClean="0"/>
+              <a:rPr lang="en-US"/>
               <a:t>Third level</a:t>
             </a:r>
           </a:p>
           <a:p>
             <a:pPr lvl="3"/>
             <a:r>
-              <a:rPr lang="en-US" smtClean="0"/>
+              <a:rPr lang="en-US"/>
               <a:t>Fourth level</a:t>
             </a:r>
           </a:p>
           <a:p>
             <a:pPr lvl="4"/>
             <a:r>
-              <a:rPr lang="en-US" smtClean="0"/>
+              <a:rPr lang="en-US"/>
               <a:t>Fifth level</a:t>
             </a:r>
             <a:endParaRPr lang="en-US" dirty="0"/>
@@ -4707,7 +4714,7 @@
           <a:p>
             <a:pPr lvl="0"/>
             <a:r>
-              <a:rPr lang="en-US" smtClean="0"/>
+              <a:rPr lang="en-US"/>
               <a:t>Click to edit Master text styles</a:t>
             </a:r>
           </a:p>
@@ -4731,7 +4738,7 @@
             <a:fld id="{B61BEF0D-F0BB-DE4B-95CE-6DB70DBA9567}" type="datetimeFigureOut">
               <a:rPr lang="en-US" dirty="0"/>
               <a:pPr/>
-              <a:t>2/29/20</a:t>
+              <a:t>3/5/2020</a:t>
             </a:fld>
             <a:endParaRPr lang="en-US" dirty="0"/>
           </a:p>
@@ -4862,7 +4869,7 @@
           </a:lstStyle>
           <a:p>
             <a:r>
-              <a:rPr lang="en-US" smtClean="0"/>
+              <a:rPr lang="en-US"/>
               <a:t>Click to edit Master title style</a:t>
             </a:r>
             <a:endParaRPr lang="en-US" dirty="0"/>
@@ -4960,7 +4967,7 @@
           </a:lstStyle>
           <a:p>
             <a:r>
-              <a:rPr lang="en-US" smtClean="0"/>
+              <a:rPr lang="en-US"/>
               <a:t>Drag picture to placeholder or click icon to add</a:t>
             </a:r>
             <a:endParaRPr lang="en-US" dirty="0"/>
@@ -5028,7 +5035,7 @@
           <a:p>
             <a:pPr lvl="0"/>
             <a:r>
-              <a:rPr lang="en-US" smtClean="0"/>
+              <a:rPr lang="en-US"/>
               <a:t>Click to edit Master text styles</a:t>
             </a:r>
           </a:p>
@@ -5052,7 +5059,7 @@
             <a:fld id="{B61BEF0D-F0BB-DE4B-95CE-6DB70DBA9567}" type="datetimeFigureOut">
               <a:rPr lang="en-US" dirty="0"/>
               <a:pPr/>
-              <a:t>2/29/20</a:t>
+              <a:t>3/5/2020</a:t>
             </a:fld>
             <a:endParaRPr lang="en-US" dirty="0"/>
           </a:p>
@@ -5158,7 +5165,7 @@
           <a:lstStyle/>
           <a:p>
             <a:r>
-              <a:rPr lang="en-US" smtClean="0"/>
+              <a:rPr lang="en-US"/>
               <a:t>Click to edit Master title style</a:t>
             </a:r>
             <a:endParaRPr lang="en-US" dirty="0"/>
@@ -5192,35 +5199,35 @@
           <a:p>
             <a:pPr lvl="0"/>
             <a:r>
-              <a:rPr lang="en-US" smtClean="0"/>
+              <a:rPr lang="en-US"/>
               <a:t>Click to edit Master text styles</a:t>
             </a:r>
           </a:p>
           <a:p>
             <a:pPr lvl="1"/>
             <a:r>
-              <a:rPr lang="en-US" smtClean="0"/>
+              <a:rPr lang="en-US"/>
               <a:t>Second level</a:t>
             </a:r>
           </a:p>
           <a:p>
             <a:pPr lvl="2"/>
             <a:r>
-              <a:rPr lang="en-US" smtClean="0"/>
+              <a:rPr lang="en-US"/>
               <a:t>Third level</a:t>
             </a:r>
           </a:p>
           <a:p>
             <a:pPr lvl="3"/>
             <a:r>
-              <a:rPr lang="en-US" smtClean="0"/>
+              <a:rPr lang="en-US"/>
               <a:t>Fourth level</a:t>
             </a:r>
           </a:p>
           <a:p>
             <a:pPr lvl="4"/>
             <a:r>
-              <a:rPr lang="en-US" smtClean="0"/>
+              <a:rPr lang="en-US"/>
               <a:t>Fifth level</a:t>
             </a:r>
             <a:endParaRPr lang="en-US" dirty="0"/>
@@ -5263,7 +5270,7 @@
             <a:fld id="{B61BEF0D-F0BB-DE4B-95CE-6DB70DBA9567}" type="datetimeFigureOut">
               <a:rPr lang="en-US" dirty="0"/>
               <a:pPr/>
-              <a:t>2/29/20</a:t>
+              <a:t>3/5/2020</a:t>
             </a:fld>
             <a:endParaRPr lang="en-US" dirty="0"/>
           </a:p>
@@ -5795,7 +5802,7 @@
           <a:lstStyle/>
           <a:p>
             <a:r>
-              <a:rPr lang="en-US" sz="7200" dirty="0" smtClean="0">
+              <a:rPr lang="en-US" sz="7200" dirty="0">
                 <a:solidFill>
                   <a:schemeClr val="accent6">
                     <a:lumMod val="60000"/>
@@ -5807,37 +5814,7 @@
                 <a:cs typeface="Segoe Print" charset="0"/>
                 <a:hlinkClick r:id="rId2"/>
               </a:rPr>
-              <a:t>Team </a:t>
-            </a:r>
-            <a:r>
-              <a:rPr lang="en-US" sz="7200" dirty="0" err="1" smtClean="0">
-                <a:solidFill>
-                  <a:schemeClr val="accent6">
-                    <a:lumMod val="60000"/>
-                    <a:lumOff val="40000"/>
-                  </a:schemeClr>
-                </a:solidFill>
-                <a:latin typeface="Segoe Print" charset="0"/>
-                <a:ea typeface="Segoe Print" charset="0"/>
-                <a:cs typeface="Segoe Print" charset="0"/>
-                <a:hlinkClick r:id="rId2"/>
-              </a:rPr>
-              <a:t>DOMit</a:t>
-            </a:r>
-            <a:r>
-              <a:rPr lang="en-US" sz="7200" dirty="0" smtClean="0">
-                <a:solidFill>
-                  <a:schemeClr val="accent6">
-                    <a:lumMod val="60000"/>
-                    <a:lumOff val="40000"/>
-                  </a:schemeClr>
-                </a:solidFill>
-                <a:latin typeface="Segoe Print" charset="0"/>
-                <a:ea typeface="Segoe Print" charset="0"/>
-                <a:cs typeface="Segoe Print" charset="0"/>
-                <a:hlinkClick r:id="rId2"/>
-              </a:rPr>
-              <a:t>!</a:t>
+              <a:t>Team DOMit!</a:t>
             </a:r>
             <a:endParaRPr lang="en-US" sz="7200" dirty="0">
               <a:solidFill>
@@ -5876,10 +5853,66 @@
           <a:lstStyle/>
           <a:p>
             <a:r>
-              <a:rPr lang="en-US" sz="2800" dirty="0" smtClean="0"/>
+              <a:rPr lang="en-US" sz="2800" dirty="0"/>
               <a:t>Created by: Richard Whitehead, Cassandra Ortiz, Chuck Villalobos, &amp; Lesley Rivera</a:t>
             </a:r>
-            <a:endParaRPr lang="en-US" sz="2800" dirty="0"/>
+          </a:p>
+        </p:txBody>
+      </p:sp>
+      <p:sp>
+        <p:nvSpPr>
+          <p:cNvPr id="6" name="TextBox 5">
+            <a:extLst>
+              <a:ext uri="{FF2B5EF4-FFF2-40B4-BE49-F238E27FC236}">
+                <a16:creationId xmlns:a16="http://schemas.microsoft.com/office/drawing/2014/main" id="{6F67C8FC-945E-48AE-96A5-4D037C5A2F16}"/>
+              </a:ext>
+            </a:extLst>
+          </p:cNvPr>
+          <p:cNvSpPr txBox="1"/>
+          <p:nvPr/>
+        </p:nvSpPr>
+        <p:spPr>
+          <a:xfrm>
+            <a:off x="9417378" y="6034998"/>
+            <a:ext cx="2384126" cy="646331"/>
+          </a:xfrm>
+          <a:prstGeom prst="rect">
+            <a:avLst/>
+          </a:prstGeom>
+          <a:noFill/>
+        </p:spPr>
+        <p:txBody>
+          <a:bodyPr wrap="square" rtlCol="0">
+            <a:spAutoFit/>
+          </a:bodyPr>
+          <a:lstStyle/>
+          <a:p>
+            <a:r>
+              <a:rPr lang="en-US" sz="3600" dirty="0">
+                <a:solidFill>
+                  <a:schemeClr val="accent6">
+                    <a:lumMod val="60000"/>
+                    <a:lumOff val="40000"/>
+                  </a:schemeClr>
+                </a:solidFill>
+                <a:latin typeface="Segoe Print" charset="0"/>
+                <a:ea typeface="Segoe Print" charset="0"/>
+                <a:cs typeface="Segoe Print" charset="0"/>
+                <a:hlinkClick r:id="rId3"/>
+              </a:rPr>
+              <a:t>About Us</a:t>
+            </a:r>
+            <a:endParaRPr lang="en-US" sz="3600" dirty="0">
+              <a:solidFill>
+                <a:schemeClr val="accent6">
+                  <a:lumMod val="60000"/>
+                  <a:lumOff val="40000"/>
+                </a:schemeClr>
+              </a:solidFill>
+              <a:latin typeface="Segoe Print" charset="0"/>
+              <a:ea typeface="Segoe Print" charset="0"/>
+              <a:cs typeface="Segoe Print" charset="0"/>
+            </a:endParaRPr>
           </a:p>
         </p:txBody>
       </p:sp>
@@ -5893,13 +5926,6 @@
   <p:clrMapOvr>
     <a:masterClrMapping/>
   </p:clrMapOvr>
-  <p:timing>
-    <p:tnLst>
-      <p:par>
-        <p:cTn id="1" dur="indefinite" restart="never" nodeType="tmRoot"/>
-      </p:par>
-    </p:tnLst>
-  </p:timing>
 </p:sld>
 </file>
 
@@ -5932,108 +5958,103 @@
         </p:nvSpPr>
         <p:spPr>
           <a:xfrm>
-            <a:off x="465882" y="685800"/>
-            <a:ext cx="10131425" cy="1456267"/>
-          </a:xfrm>
-        </p:spPr>
-        <p:txBody>
-          <a:bodyPr/>
-          <a:lstStyle/>
-          <a:p>
-            <a:r>
-              <a:rPr lang="en-US" u="sng" dirty="0" smtClean="0">
+            <a:off x="391128" y="288063"/>
+            <a:ext cx="11409743" cy="1456267"/>
+          </a:xfrm>
+        </p:spPr>
+        <p:txBody>
+          <a:bodyPr>
+            <a:normAutofit/>
+          </a:bodyPr>
+          <a:lstStyle/>
+          <a:p>
+            <a:pPr algn="ctr"/>
+            <a:r>
+              <a:rPr lang="en-US" sz="4000" u="sng" dirty="0">
                 <a:latin typeface="Segoe Print" charset="0"/>
                 <a:ea typeface="Segoe Print" charset="0"/>
                 <a:cs typeface="Segoe Print" charset="0"/>
               </a:rPr>
-              <a:t>Intro to project &amp; problem domain </a:t>
-            </a:r>
-            <a:endParaRPr lang="en-US" u="sng" dirty="0">
+              <a:t>Intro to </a:t>
+            </a:r>
+            <a:br>
+              <a:rPr lang="en-US" sz="4000" u="sng" dirty="0">
+                <a:latin typeface="Segoe Print" charset="0"/>
+                <a:ea typeface="Segoe Print" charset="0"/>
+                <a:cs typeface="Segoe Print" charset="0"/>
+              </a:rPr>
+            </a:br>
+            <a:r>
+              <a:rPr lang="en-US" sz="4000" u="sng" dirty="0">
+                <a:latin typeface="Segoe Print" charset="0"/>
+                <a:ea typeface="Segoe Print" charset="0"/>
+                <a:cs typeface="Segoe Print" charset="0"/>
+              </a:rPr>
+              <a:t>project &amp; problem domain </a:t>
+            </a:r>
+          </a:p>
+        </p:txBody>
+      </p:sp>
+      <p:sp>
+        <p:nvSpPr>
+          <p:cNvPr id="3" name="Content Placeholder 2"/>
+          <p:cNvSpPr>
+            <a:spLocks noGrp="1"/>
+          </p:cNvSpPr>
+          <p:nvPr>
+            <p:ph idx="1"/>
+          </p:nvPr>
+        </p:nvSpPr>
+        <p:spPr>
+          <a:xfrm>
+            <a:off x="391128" y="2025570"/>
+            <a:ext cx="11409743" cy="4544367"/>
+          </a:xfrm>
+        </p:spPr>
+        <p:txBody>
+          <a:bodyPr>
+            <a:normAutofit/>
+          </a:bodyPr>
+          <a:lstStyle/>
+          <a:p>
+            <a:pPr marL="0" indent="0" algn="ctr">
+              <a:buNone/>
+            </a:pPr>
+            <a:r>
+              <a:rPr lang="en-US" sz="3200" dirty="0">
+                <a:latin typeface="Segoe Print" charset="0"/>
+                <a:ea typeface="Segoe Print" charset="0"/>
+                <a:cs typeface="Segoe Print" charset="0"/>
+              </a:rPr>
+              <a:t>DOMit Planner is an app for users to keep track of their events in a 7 day period. </a:t>
+            </a:r>
+          </a:p>
+          <a:p>
+            <a:pPr marL="0" indent="0" algn="ctr">
+              <a:buNone/>
+            </a:pPr>
+            <a:endParaRPr lang="en-US" sz="3200" dirty="0">
               <a:latin typeface="Segoe Print" charset="0"/>
               <a:ea typeface="Segoe Print" charset="0"/>
               <a:cs typeface="Segoe Print" charset="0"/>
             </a:endParaRPr>
           </a:p>
-        </p:txBody>
-      </p:sp>
-      <p:sp>
-        <p:nvSpPr>
-          <p:cNvPr id="3" name="Content Placeholder 2"/>
-          <p:cNvSpPr>
-            <a:spLocks noGrp="1"/>
-          </p:cNvSpPr>
-          <p:nvPr>
-            <p:ph idx="1"/>
-          </p:nvPr>
-        </p:nvSpPr>
-        <p:spPr>
-          <a:xfrm>
-            <a:off x="340801" y="2315496"/>
-            <a:ext cx="10131425" cy="2732311"/>
-          </a:xfrm>
-        </p:spPr>
-        <p:txBody>
-          <a:bodyPr/>
-          <a:lstStyle/>
-          <a:p>
-            <a:r>
-              <a:rPr lang="en-US" i="1" dirty="0">
+          <a:p>
+            <a:pPr marL="0" indent="0" algn="ctr">
+              <a:buNone/>
+            </a:pPr>
+            <a:r>
+              <a:rPr lang="en-US" sz="3200" dirty="0">
                 <a:latin typeface="Segoe Print" charset="0"/>
                 <a:ea typeface="Segoe Print" charset="0"/>
                 <a:cs typeface="Segoe Print" charset="0"/>
               </a:rPr>
-              <a:t>To provide users with a place where they can </a:t>
-            </a:r>
-            <a:r>
-              <a:rPr lang="en-US" i="1" dirty="0" smtClean="0">
-                <a:latin typeface="Segoe Print" charset="0"/>
-                <a:ea typeface="Segoe Print" charset="0"/>
-                <a:cs typeface="Segoe Print" charset="0"/>
-              </a:rPr>
-              <a:t>plan out </a:t>
-            </a:r>
-            <a:r>
-              <a:rPr lang="en-US" i="1" dirty="0">
-                <a:latin typeface="Segoe Print" charset="0"/>
-                <a:ea typeface="Segoe Print" charset="0"/>
-                <a:cs typeface="Segoe Print" charset="0"/>
-              </a:rPr>
-              <a:t>daily events for a seven day </a:t>
-            </a:r>
-            <a:r>
-              <a:rPr lang="en-US" i="1" dirty="0" smtClean="0">
-                <a:latin typeface="Segoe Print" charset="0"/>
-                <a:ea typeface="Segoe Print" charset="0"/>
-                <a:cs typeface="Segoe Print" charset="0"/>
-              </a:rPr>
-              <a:t>period</a:t>
-            </a:r>
-            <a:r>
-              <a:rPr lang="en-US" dirty="0" smtClean="0">
-                <a:latin typeface="Segoe Print" charset="0"/>
-                <a:ea typeface="Segoe Print" charset="0"/>
-                <a:cs typeface="Segoe Print" charset="0"/>
-              </a:rPr>
-              <a:t>.</a:t>
-            </a:r>
-          </a:p>
-          <a:p>
-            <a:r>
-              <a:rPr lang="en-US" dirty="0">
-                <a:latin typeface="Segoe Print" charset="0"/>
-                <a:ea typeface="Segoe Print" charset="0"/>
-                <a:cs typeface="Segoe Print" charset="0"/>
-              </a:rPr>
-              <a:t>Weekly Planner is an app for users to keep track of their weekly events in a 7 day planner application. Users are able to add an event from a dropdown menu and add content to each event.</a:t>
-            </a:r>
-            <a:endParaRPr lang="en-US" dirty="0" smtClean="0">
-              <a:latin typeface="Segoe Print" charset="0"/>
-              <a:ea typeface="Segoe Print" charset="0"/>
-              <a:cs typeface="Segoe Print" charset="0"/>
-            </a:endParaRPr>
-          </a:p>
-          <a:p>
-            <a:endParaRPr lang="en-US" i="1" dirty="0" smtClean="0">
+              <a:t>Users are able to add task from a dropdown menu to a certain day of the week. They are then able to give further detail about that type of task. </a:t>
+            </a:r>
+          </a:p>
+          <a:p>
+            <a:pPr algn="ctr"/>
+            <a:endParaRPr lang="en-US" sz="3200" i="1" dirty="0">
               <a:latin typeface="Segoe Print" charset="0"/>
               <a:ea typeface="Segoe Print" charset="0"/>
               <a:cs typeface="Segoe Print" charset="0"/>
@@ -6051,13 +6072,6 @@
   <p:clrMapOvr>
     <a:masterClrMapping/>
   </p:clrMapOvr>
-  <p:timing>
-    <p:tnLst>
-      <p:par>
-        <p:cTn id="1" dur="indefinite" restart="never" nodeType="tmRoot"/>
-      </p:par>
-    </p:tnLst>
-  </p:timing>
 </p:sld>
 </file>
 
@@ -6095,19 +6109,30 @@
           </a:bodyPr>
           <a:lstStyle/>
           <a:p>
-            <a:r>
-              <a:rPr lang="en-US" sz="3200" u="sng" dirty="0" smtClean="0">
+            <a:pPr algn="ctr"/>
+            <a:r>
+              <a:rPr lang="en-US" sz="4000" u="sng" dirty="0">
                 <a:latin typeface="Segoe Print" charset="0"/>
                 <a:ea typeface="Segoe Print" charset="0"/>
                 <a:cs typeface="Segoe Print" charset="0"/>
               </a:rPr>
-              <a:t>Our approach to planning and communicating!</a:t>
-            </a:r>
-            <a:endParaRPr lang="en-US" sz="3200" u="sng" dirty="0">
-              <a:latin typeface="Segoe Print" charset="0"/>
-              <a:ea typeface="Segoe Print" charset="0"/>
-              <a:cs typeface="Segoe Print" charset="0"/>
-            </a:endParaRPr>
+              <a:t>Our approach to </a:t>
+            </a:r>
+            <a:br>
+              <a:rPr lang="en-US" sz="4000" u="sng" dirty="0">
+                <a:latin typeface="Segoe Print" charset="0"/>
+                <a:ea typeface="Segoe Print" charset="0"/>
+                <a:cs typeface="Segoe Print" charset="0"/>
+              </a:rPr>
+            </a:br>
+            <a:r>
+              <a:rPr lang="en-US" sz="4000" u="sng" dirty="0">
+                <a:latin typeface="Segoe Print" charset="0"/>
+                <a:ea typeface="Segoe Print" charset="0"/>
+                <a:cs typeface="Segoe Print" charset="0"/>
+              </a:rPr>
+              <a:t>planning and communicating!</a:t>
+            </a:r>
           </a:p>
         </p:txBody>
       </p:sp>
@@ -6121,13 +6146,25 @@
             <p:ph idx="1"/>
           </p:nvPr>
         </p:nvSpPr>
-        <p:spPr/>
-        <p:txBody>
-          <a:bodyPr/>
-          <a:lstStyle/>
-          <a:p>
-            <a:r>
-              <a:rPr lang="en-US" sz="3200" dirty="0" smtClean="0">
+        <p:spPr>
+          <a:xfrm>
+            <a:off x="778399" y="2637849"/>
+            <a:ext cx="10131425" cy="3649133"/>
+          </a:xfrm>
+        </p:spPr>
+        <p:txBody>
+          <a:bodyPr>
+            <a:noAutofit/>
+          </a:bodyPr>
+          <a:lstStyle/>
+          <a:p>
+            <a:pPr algn="ctr">
+              <a:lnSpc>
+                <a:spcPct val="200000"/>
+              </a:lnSpc>
+            </a:pPr>
+            <a:r>
+              <a:rPr lang="en-US" sz="3600" dirty="0">
                 <a:latin typeface="Segoe Print" charset="0"/>
                 <a:ea typeface="Segoe Print" charset="0"/>
                 <a:cs typeface="Segoe Print" charset="0"/>
@@ -6136,8 +6173,13 @@
             </a:r>
           </a:p>
           <a:p>
-            <a:r>
-              <a:rPr lang="en-US" sz="3200" dirty="0" smtClean="0">
+            <a:pPr algn="ctr">
+              <a:lnSpc>
+                <a:spcPct val="200000"/>
+              </a:lnSpc>
+            </a:pPr>
+            <a:r>
+              <a:rPr lang="en-US" sz="3600" dirty="0">
                 <a:latin typeface="Segoe Print" charset="0"/>
                 <a:ea typeface="Segoe Print" charset="0"/>
                 <a:cs typeface="Segoe Print" charset="0"/>
@@ -6146,8 +6188,13 @@
             </a:r>
           </a:p>
           <a:p>
-            <a:r>
-              <a:rPr lang="en-US" sz="3200" dirty="0" smtClean="0">
+            <a:pPr algn="ctr">
+              <a:lnSpc>
+                <a:spcPct val="200000"/>
+              </a:lnSpc>
+            </a:pPr>
+            <a:r>
+              <a:rPr lang="en-US" sz="3600" dirty="0">
                 <a:latin typeface="Segoe Print" charset="0"/>
                 <a:ea typeface="Segoe Print" charset="0"/>
                 <a:cs typeface="Segoe Print" charset="0"/>
@@ -6156,7 +6203,8 @@
             </a:r>
           </a:p>
           <a:p>
-            <a:endParaRPr lang="en-US" dirty="0" smtClean="0"/>
+            <a:pPr algn="ctr"/>
+            <a:endParaRPr lang="en-US" sz="3600" dirty="0"/>
           </a:p>
         </p:txBody>
       </p:sp>
@@ -6170,13 +6218,6 @@
   <p:clrMapOvr>
     <a:masterClrMapping/>
   </p:clrMapOvr>
-  <p:timing>
-    <p:tnLst>
-      <p:par>
-        <p:cTn id="1" dur="indefinite" restart="never" nodeType="tmRoot"/>
-      </p:par>
-    </p:tnLst>
-  </p:timing>
 </p:sld>
 </file>
 
@@ -6205,8 +6246,8 @@
         </p:nvSpPr>
         <p:spPr>
           <a:xfrm>
-            <a:off x="292540" y="1886938"/>
-            <a:ext cx="4826643" cy="3416320"/>
+            <a:off x="1399781" y="388272"/>
+            <a:ext cx="9577632" cy="7294305"/>
           </a:xfrm>
           <a:prstGeom prst="rect">
             <a:avLst/>
@@ -6221,14 +6262,14 @@
           <a:p>
             <a:pPr algn="ctr"/>
             <a:r>
-              <a:rPr lang="en-US" sz="2400" u="sng" dirty="0" smtClean="0">
+              <a:rPr lang="en-US" sz="3600" u="sng" dirty="0">
                 <a:latin typeface="Segoe Print" charset="0"/>
                 <a:ea typeface="Segoe Print" charset="0"/>
                 <a:cs typeface="Segoe Print" charset="0"/>
               </a:rPr>
               <a:t>Our WINS!</a:t>
             </a:r>
-            <a:endParaRPr lang="en-US" sz="2400" dirty="0">
+            <a:endParaRPr lang="en-US" sz="3600" dirty="0">
               <a:latin typeface="Segoe Script" charset="0"/>
               <a:ea typeface="Segoe Script" charset="0"/>
               <a:cs typeface="Segoe Script" charset="0"/>
@@ -6236,11 +6277,14 @@
           </a:p>
           <a:p>
             <a:pPr marL="342900" indent="-342900" algn="ctr">
+              <a:lnSpc>
+                <a:spcPct val="200000"/>
+              </a:lnSpc>
               <a:buFont typeface="Arial" charset="0"/>
               <a:buChar char="•"/>
             </a:pPr>
             <a:r>
-              <a:rPr lang="en-US" sz="2400" dirty="0" smtClean="0">
+              <a:rPr lang="en-US" sz="3600" dirty="0">
                 <a:latin typeface="Segoe Print" charset="0"/>
                 <a:ea typeface="Segoe Print" charset="0"/>
                 <a:cs typeface="Segoe Print" charset="0"/>
@@ -6250,11 +6294,14 @@
           </a:p>
           <a:p>
             <a:pPr marL="342900" indent="-342900" algn="ctr">
+              <a:lnSpc>
+                <a:spcPct val="200000"/>
+              </a:lnSpc>
               <a:buFont typeface="Arial" charset="0"/>
               <a:buChar char="•"/>
             </a:pPr>
             <a:r>
-              <a:rPr lang="en-US" sz="2400" dirty="0" smtClean="0">
+              <a:rPr lang="en-US" sz="3600" dirty="0">
                 <a:latin typeface="Segoe Print" charset="0"/>
                 <a:ea typeface="Segoe Print" charset="0"/>
                 <a:cs typeface="Segoe Print" charset="0"/>
@@ -6264,11 +6311,14 @@
           </a:p>
           <a:p>
             <a:pPr marL="342900" indent="-342900" algn="ctr">
+              <a:lnSpc>
+                <a:spcPct val="200000"/>
+              </a:lnSpc>
               <a:buFont typeface="Arial" charset="0"/>
               <a:buChar char="•"/>
             </a:pPr>
             <a:r>
-              <a:rPr lang="en-US" sz="2400" dirty="0" smtClean="0">
+              <a:rPr lang="en-US" sz="3600" dirty="0">
                 <a:latin typeface="Segoe Print" charset="0"/>
                 <a:ea typeface="Segoe Print" charset="0"/>
                 <a:cs typeface="Segoe Print" charset="0"/>
@@ -6278,11 +6328,14 @@
           </a:p>
           <a:p>
             <a:pPr marL="342900" indent="-342900" algn="ctr">
+              <a:lnSpc>
+                <a:spcPct val="200000"/>
+              </a:lnSpc>
               <a:buFont typeface="Arial" charset="0"/>
               <a:buChar char="•"/>
             </a:pPr>
             <a:r>
-              <a:rPr lang="en-US" sz="2400" dirty="0" smtClean="0">
+              <a:rPr lang="en-US" sz="3600" dirty="0">
                 <a:latin typeface="Segoe Print" charset="0"/>
                 <a:ea typeface="Segoe Print" charset="0"/>
                 <a:cs typeface="Segoe Print" charset="0"/>
@@ -6292,11 +6345,14 @@
           </a:p>
           <a:p>
             <a:pPr marL="342900" indent="-342900" algn="ctr">
+              <a:lnSpc>
+                <a:spcPct val="200000"/>
+              </a:lnSpc>
               <a:buFont typeface="Arial" charset="0"/>
               <a:buChar char="•"/>
             </a:pPr>
             <a:r>
-              <a:rPr lang="en-US" sz="2400" dirty="0" smtClean="0">
+              <a:rPr lang="en-US" sz="3600" dirty="0">
                 <a:latin typeface="Segoe Print" charset="0"/>
                 <a:ea typeface="Segoe Print" charset="0"/>
                 <a:cs typeface="Segoe Print" charset="0"/>
@@ -6309,7 +6365,7 @@
               <a:buFont typeface="Arial" charset="0"/>
               <a:buChar char="•"/>
             </a:pPr>
-            <a:endParaRPr lang="en-US" sz="2400" dirty="0" smtClean="0">
+            <a:endParaRPr lang="en-US" sz="3600" dirty="0">
               <a:latin typeface="Segoe Print" charset="0"/>
               <a:ea typeface="Segoe Print" charset="0"/>
               <a:cs typeface="Segoe Print" charset="0"/>
@@ -6320,122 +6376,11 @@
               <a:buFont typeface="Arial" charset="0"/>
               <a:buChar char="•"/>
             </a:pPr>
-            <a:endParaRPr lang="en-US" sz="2400" dirty="0" smtClean="0">
+            <a:endParaRPr lang="en-US" sz="3600" dirty="0">
               <a:latin typeface="Segoe Print" charset="0"/>
               <a:ea typeface="Segoe Print" charset="0"/>
               <a:cs typeface="Segoe Print" charset="0"/>
             </a:endParaRPr>
-          </a:p>
-        </p:txBody>
-      </p:sp>
-      <p:sp>
-        <p:nvSpPr>
-          <p:cNvPr id="6" name="TextBox 5"/>
-          <p:cNvSpPr txBox="1"/>
-          <p:nvPr/>
-        </p:nvSpPr>
-        <p:spPr>
-          <a:xfrm>
-            <a:off x="5860243" y="1886938"/>
-            <a:ext cx="4713790" cy="2585323"/>
-          </a:xfrm>
-          <a:prstGeom prst="rect">
-            <a:avLst/>
-          </a:prstGeom>
-          <a:noFill/>
-        </p:spPr>
-        <p:txBody>
-          <a:bodyPr wrap="square" rtlCol="0">
-            <a:spAutoFit/>
-          </a:bodyPr>
-          <a:lstStyle/>
-          <a:p>
-            <a:pPr algn="ctr"/>
-            <a:r>
-              <a:rPr lang="en-US" sz="2400" u="sng" dirty="0" smtClean="0">
-                <a:latin typeface="Segoe Print" charset="0"/>
-                <a:ea typeface="Segoe Print" charset="0"/>
-                <a:cs typeface="Segoe Print" charset="0"/>
-              </a:rPr>
-              <a:t>Our hardships!</a:t>
-            </a:r>
-          </a:p>
-          <a:p>
-            <a:pPr marL="285750" indent="-285750" algn="ctr">
-              <a:buFont typeface="Arial" charset="0"/>
-              <a:buChar char="•"/>
-            </a:pPr>
-            <a:r>
-              <a:rPr lang="en-US" sz="2400" dirty="0" smtClean="0">
-                <a:latin typeface="Segoe Print" charset="0"/>
-                <a:ea typeface="Segoe Print" charset="0"/>
-                <a:cs typeface="Segoe Print" charset="0"/>
-              </a:rPr>
-              <a:t>SUMBIT!</a:t>
-            </a:r>
-          </a:p>
-          <a:p>
-            <a:pPr marL="285750" indent="-285750" algn="ctr">
-              <a:buFont typeface="Arial" charset="0"/>
-              <a:buChar char="•"/>
-            </a:pPr>
-            <a:r>
-              <a:rPr lang="en-US" sz="2400" dirty="0" smtClean="0">
-                <a:latin typeface="Segoe Print" charset="0"/>
-                <a:ea typeface="Segoe Print" charset="0"/>
-                <a:cs typeface="Segoe Print" charset="0"/>
-              </a:rPr>
-              <a:t>Local Storage</a:t>
-            </a:r>
-          </a:p>
-          <a:p>
-            <a:pPr marL="285750" indent="-285750" algn="ctr">
-              <a:buFont typeface="Arial" charset="0"/>
-              <a:buChar char="•"/>
-            </a:pPr>
-            <a:r>
-              <a:rPr lang="en-US" sz="2400" dirty="0" smtClean="0">
-                <a:latin typeface="Segoe Print" charset="0"/>
-                <a:ea typeface="Segoe Print" charset="0"/>
-                <a:cs typeface="Segoe Print" charset="0"/>
-              </a:rPr>
-              <a:t>Merge conflicts</a:t>
-            </a:r>
-          </a:p>
-          <a:p>
-            <a:pPr marL="285750" indent="-285750" algn="ctr">
-              <a:buFont typeface="Arial" charset="0"/>
-              <a:buChar char="•"/>
-            </a:pPr>
-            <a:r>
-              <a:rPr lang="en-US" sz="2400" dirty="0" smtClean="0">
-                <a:latin typeface="Segoe Print" charset="0"/>
-                <a:ea typeface="Segoe Print" charset="0"/>
-                <a:cs typeface="Segoe Print" charset="0"/>
-              </a:rPr>
-              <a:t>Debugging</a:t>
-            </a:r>
-          </a:p>
-          <a:p>
-            <a:pPr marL="285750" indent="-285750" algn="ctr">
-              <a:buFont typeface="Arial" charset="0"/>
-              <a:buChar char="•"/>
-            </a:pPr>
-            <a:r>
-              <a:rPr lang="en-US" sz="2400" dirty="0" smtClean="0">
-                <a:latin typeface="Segoe Print" charset="0"/>
-                <a:ea typeface="Segoe Print" charset="0"/>
-                <a:cs typeface="Segoe Print" charset="0"/>
-              </a:rPr>
-              <a:t>Sickness</a:t>
-            </a:r>
-          </a:p>
-          <a:p>
-            <a:pPr marL="285750" indent="-285750" algn="ctr">
-              <a:buFont typeface="Arial" charset="0"/>
-              <a:buChar char="•"/>
-            </a:pPr>
-            <a:endParaRPr lang="en-US" dirty="0" smtClean="0"/>
           </a:p>
         </p:txBody>
       </p:sp>
@@ -6449,13 +6394,208 @@
   <p:clrMapOvr>
     <a:masterClrMapping/>
   </p:clrMapOvr>
-  <p:timing>
-    <p:tnLst>
-      <p:par>
-        <p:cTn id="1" dur="indefinite" restart="never" nodeType="tmRoot"/>
-      </p:par>
-    </p:tnLst>
-  </p:timing>
+</p:sld>
+</file>
+
+<file path=ppt/slides/slide5.xml><?xml version="1.0" encoding="utf-8"?>
+<p:sld xmlns:a="http://schemas.openxmlformats.org/drawingml/2006/main" xmlns:r="http://schemas.openxmlformats.org/officeDocument/2006/relationships" xmlns:p="http://schemas.openxmlformats.org/presentationml/2006/main">
+  <p:cSld>
+    <p:spTree>
+      <p:nvGrpSpPr>
+        <p:cNvPr id="1" name=""/>
+        <p:cNvGrpSpPr/>
+        <p:nvPr/>
+      </p:nvGrpSpPr>
+      <p:grpSpPr>
+        <a:xfrm>
+          <a:off x="0" y="0"/>
+          <a:ext cx="0" cy="0"/>
+          <a:chOff x="0" y="0"/>
+          <a:chExt cx="0" cy="0"/>
+        </a:xfrm>
+      </p:grpSpPr>
+      <p:sp>
+        <p:nvSpPr>
+          <p:cNvPr id="4" name="TextBox 3">
+            <a:extLst>
+              <a:ext uri="{FF2B5EF4-FFF2-40B4-BE49-F238E27FC236}">
+                <a16:creationId xmlns:a16="http://schemas.microsoft.com/office/drawing/2014/main" id="{E1AD9D53-ABB2-4938-B140-14CF6B4BADCF}"/>
+              </a:ext>
+            </a:extLst>
+          </p:cNvPr>
+          <p:cNvSpPr txBox="1"/>
+          <p:nvPr/>
+        </p:nvSpPr>
+        <p:spPr>
+          <a:xfrm>
+            <a:off x="3597810" y="810807"/>
+            <a:ext cx="4713790" cy="5078313"/>
+          </a:xfrm>
+          <a:prstGeom prst="rect">
+            <a:avLst/>
+          </a:prstGeom>
+          <a:noFill/>
+        </p:spPr>
+        <p:txBody>
+          <a:bodyPr wrap="square" rtlCol="0">
+            <a:spAutoFit/>
+          </a:bodyPr>
+          <a:lstStyle/>
+          <a:p>
+            <a:pPr algn="ctr">
+              <a:lnSpc>
+                <a:spcPct val="200000"/>
+              </a:lnSpc>
+            </a:pPr>
+            <a:r>
+              <a:rPr lang="en-US" sz="3600" u="sng" dirty="0">
+                <a:latin typeface="Segoe Print" charset="0"/>
+                <a:ea typeface="Segoe Print" charset="0"/>
+                <a:cs typeface="Segoe Print" charset="0"/>
+              </a:rPr>
+              <a:t>Our hardships!</a:t>
+            </a:r>
+          </a:p>
+          <a:p>
+            <a:pPr marL="285750" indent="-285750" algn="ctr">
+              <a:lnSpc>
+                <a:spcPct val="200000"/>
+              </a:lnSpc>
+              <a:buFont typeface="Arial" charset="0"/>
+              <a:buChar char="•"/>
+            </a:pPr>
+            <a:r>
+              <a:rPr lang="en-US" sz="3600" dirty="0">
+                <a:latin typeface="Segoe Print" charset="0"/>
+                <a:ea typeface="Segoe Print" charset="0"/>
+                <a:cs typeface="Segoe Print" charset="0"/>
+              </a:rPr>
+              <a:t>SUMBIT!</a:t>
+            </a:r>
+          </a:p>
+          <a:p>
+            <a:pPr marL="285750" indent="-285750" algn="ctr">
+              <a:lnSpc>
+                <a:spcPct val="200000"/>
+              </a:lnSpc>
+              <a:buFont typeface="Arial" charset="0"/>
+              <a:buChar char="•"/>
+            </a:pPr>
+            <a:r>
+              <a:rPr lang="en-US" sz="3600" dirty="0">
+                <a:latin typeface="Segoe Print" charset="0"/>
+                <a:ea typeface="Segoe Print" charset="0"/>
+                <a:cs typeface="Segoe Print" charset="0"/>
+              </a:rPr>
+              <a:t>Merge conflicts</a:t>
+            </a:r>
+          </a:p>
+          <a:p>
+            <a:pPr marL="285750" indent="-285750" algn="ctr">
+              <a:lnSpc>
+                <a:spcPct val="200000"/>
+              </a:lnSpc>
+              <a:buFont typeface="Arial" charset="0"/>
+              <a:buChar char="•"/>
+            </a:pPr>
+            <a:r>
+              <a:rPr lang="en-US" sz="3600" dirty="0">
+                <a:latin typeface="Segoe Print" charset="0"/>
+                <a:ea typeface="Segoe Print" charset="0"/>
+                <a:cs typeface="Segoe Print" charset="0"/>
+              </a:rPr>
+              <a:t>Debugging</a:t>
+            </a:r>
+          </a:p>
+          <a:p>
+            <a:pPr marL="285750" indent="-285750" algn="ctr">
+              <a:buFont typeface="Arial" charset="0"/>
+              <a:buChar char="•"/>
+            </a:pPr>
+            <a:endParaRPr lang="en-US" sz="3600" dirty="0"/>
+          </a:p>
+        </p:txBody>
+      </p:sp>
+    </p:spTree>
+    <p:extLst>
+      <p:ext uri="{BB962C8B-B14F-4D97-AF65-F5344CB8AC3E}">
+        <p14:creationId xmlns:p14="http://schemas.microsoft.com/office/powerpoint/2010/main" val="251368382"/>
+      </p:ext>
+    </p:extLst>
+  </p:cSld>
+  <p:clrMapOvr>
+    <a:masterClrMapping/>
+  </p:clrMapOvr>
+</p:sld>
+</file>
+
+<file path=ppt/slides/slide6.xml><?xml version="1.0" encoding="utf-8"?>
+<p:sld xmlns:a="http://schemas.openxmlformats.org/drawingml/2006/main" xmlns:r="http://schemas.openxmlformats.org/officeDocument/2006/relationships" xmlns:p="http://schemas.openxmlformats.org/presentationml/2006/main">
+  <p:cSld>
+    <p:spTree>
+      <p:nvGrpSpPr>
+        <p:cNvPr id="1" name=""/>
+        <p:cNvGrpSpPr/>
+        <p:nvPr/>
+      </p:nvGrpSpPr>
+      <p:grpSpPr>
+        <a:xfrm>
+          <a:off x="0" y="0"/>
+          <a:ext cx="0" cy="0"/>
+          <a:chOff x="0" y="0"/>
+          <a:chExt cx="0" cy="0"/>
+        </a:xfrm>
+      </p:grpSpPr>
+      <p:sp>
+        <p:nvSpPr>
+          <p:cNvPr id="4" name="Title 1">
+            <a:extLst>
+              <a:ext uri="{FF2B5EF4-FFF2-40B4-BE49-F238E27FC236}">
+                <a16:creationId xmlns:a16="http://schemas.microsoft.com/office/drawing/2014/main" id="{05A3DB5E-8153-4D4A-B386-15346B27571D}"/>
+              </a:ext>
+            </a:extLst>
+          </p:cNvPr>
+          <p:cNvSpPr>
+            <a:spLocks noGrp="1"/>
+          </p:cNvSpPr>
+          <p:nvPr>
+            <p:ph type="title"/>
+          </p:nvPr>
+        </p:nvSpPr>
+        <p:spPr>
+          <a:xfrm>
+            <a:off x="855484" y="2381840"/>
+            <a:ext cx="10131425" cy="1456267"/>
+          </a:xfrm>
+        </p:spPr>
+        <p:txBody>
+          <a:bodyPr>
+            <a:normAutofit/>
+          </a:bodyPr>
+          <a:lstStyle/>
+          <a:p>
+            <a:pPr algn="ctr"/>
+            <a:r>
+              <a:rPr lang="en-US" sz="6600" dirty="0">
+                <a:latin typeface="Segoe Print" charset="0"/>
+                <a:ea typeface="Segoe Print" charset="0"/>
+                <a:cs typeface="Segoe Print" charset="0"/>
+              </a:rPr>
+              <a:t>QUESTIONS??</a:t>
+            </a:r>
+          </a:p>
+        </p:txBody>
+      </p:sp>
+    </p:spTree>
+    <p:extLst>
+      <p:ext uri="{BB962C8B-B14F-4D97-AF65-F5344CB8AC3E}">
+        <p14:creationId xmlns:p14="http://schemas.microsoft.com/office/powerpoint/2010/main" val="3297405906"/>
+      </p:ext>
+    </p:extLst>
+  </p:cSld>
+  <p:clrMapOvr>
+    <a:masterClrMapping/>
+  </p:clrMapOvr>
 </p:sld>
 </file>
 
